--- a/_PowerPoints/2nd Semester/Unit 6 Probability and Stats/Algebra4_Day_059 [Extra Review if Time] Review for Test.pptx
+++ b/_PowerPoints/2nd Semester/Unit 6 Probability and Stats/Algebra4_Day_059 [Extra Review if Time] Review for Test.pptx
@@ -5,20 +5,19 @@
     <p:sldMasterId id="2147483648" r:id="rId1"/>
   </p:sldMasterIdLst>
   <p:handoutMasterIdLst>
-    <p:handoutMasterId r:id="rId13"/>
+    <p:handoutMasterId r:id="rId12"/>
   </p:handoutMasterIdLst>
   <p:sldIdLst>
     <p:sldId id="263" r:id="rId2"/>
     <p:sldId id="264" r:id="rId3"/>
     <p:sldId id="335" r:id="rId4"/>
     <p:sldId id="337" r:id="rId5"/>
-    <p:sldId id="341" r:id="rId6"/>
-    <p:sldId id="342" r:id="rId7"/>
-    <p:sldId id="338" r:id="rId8"/>
-    <p:sldId id="343" r:id="rId9"/>
-    <p:sldId id="339" r:id="rId10"/>
-    <p:sldId id="344" r:id="rId11"/>
-    <p:sldId id="336" r:id="rId12"/>
+    <p:sldId id="342" r:id="rId6"/>
+    <p:sldId id="338" r:id="rId7"/>
+    <p:sldId id="343" r:id="rId8"/>
+    <p:sldId id="339" r:id="rId9"/>
+    <p:sldId id="344" r:id="rId10"/>
+    <p:sldId id="336" r:id="rId11"/>
   </p:sldIdLst>
   <p:sldSz cx="12192000" cy="6858000"/>
   <p:notesSz cx="9296400" cy="7010400"/>
@@ -207,7 +206,7 @@
           <a:p>
             <a:fld id="{FAC4242D-6570-4D26-878C-5DE8AD62D39F}" type="datetimeFigureOut">
               <a:rPr lang="en-US" smtClean="0"/>
-              <a:t>3/6/2018</a:t>
+              <a:t>3/7/2018</a:t>
             </a:fld>
             <a:endParaRPr lang="en-US"/>
           </a:p>
@@ -460,7 +459,7 @@
             <a:fld id="{87DE6118-2437-4B30-8E3C-4D2BE6020583}" type="datetimeFigureOut">
               <a:rPr lang="en-US" dirty="0"/>
               <a:pPr/>
-              <a:t>3/6/2018</a:t>
+              <a:t>3/7/2018</a:t>
             </a:fld>
             <a:endParaRPr lang="en-US" dirty="0"/>
           </a:p>
@@ -786,7 +785,7 @@
           <a:p>
             <a:fld id="{87DE6118-2437-4B30-8E3C-4D2BE6020583}" type="datetimeFigureOut">
               <a:rPr lang="en-US" dirty="0"/>
-              <a:t>3/6/2018</a:t>
+              <a:t>3/7/2018</a:t>
             </a:fld>
             <a:endParaRPr lang="en-US" dirty="0"/>
           </a:p>
@@ -961,7 +960,7 @@
           <a:p>
             <a:fld id="{87DE6118-2437-4B30-8E3C-4D2BE6020583}" type="datetimeFigureOut">
               <a:rPr lang="en-US" dirty="0"/>
-              <a:t>3/6/2018</a:t>
+              <a:t>3/7/2018</a:t>
             </a:fld>
             <a:endParaRPr lang="en-US" dirty="0"/>
           </a:p>
@@ -1126,7 +1125,7 @@
           <a:p>
             <a:fld id="{87DE6118-2437-4B30-8E3C-4D2BE6020583}" type="datetimeFigureOut">
               <a:rPr lang="en-US" dirty="0"/>
-              <a:t>3/6/2018</a:t>
+              <a:t>3/7/2018</a:t>
             </a:fld>
             <a:endParaRPr lang="en-US" dirty="0"/>
           </a:p>
@@ -1399,7 +1398,7 @@
             <a:fld id="{87DE6118-2437-4B30-8E3C-4D2BE6020583}" type="datetimeFigureOut">
               <a:rPr lang="en-US" dirty="0"/>
               <a:pPr/>
-              <a:t>3/6/2018</a:t>
+              <a:t>3/7/2018</a:t>
             </a:fld>
             <a:endParaRPr lang="en-US" dirty="0"/>
           </a:p>
@@ -1789,7 +1788,7 @@
           <a:p>
             <a:fld id="{87DE6118-2437-4B30-8E3C-4D2BE6020583}" type="datetimeFigureOut">
               <a:rPr lang="en-US" dirty="0"/>
-              <a:t>3/6/2018</a:t>
+              <a:t>3/7/2018</a:t>
             </a:fld>
             <a:endParaRPr lang="en-US" dirty="0"/>
           </a:p>
@@ -2261,7 +2260,7 @@
           <a:p>
             <a:fld id="{87DE6118-2437-4B30-8E3C-4D2BE6020583}" type="datetimeFigureOut">
               <a:rPr lang="en-US" dirty="0"/>
-              <a:t>3/6/2018</a:t>
+              <a:t>3/7/2018</a:t>
             </a:fld>
             <a:endParaRPr lang="en-US" dirty="0"/>
           </a:p>
@@ -2374,7 +2373,7 @@
           <a:p>
             <a:fld id="{87DE6118-2437-4B30-8E3C-4D2BE6020583}" type="datetimeFigureOut">
               <a:rPr lang="en-US" dirty="0"/>
-              <a:t>3/6/2018</a:t>
+              <a:t>3/7/2018</a:t>
             </a:fld>
             <a:endParaRPr lang="en-US" dirty="0"/>
           </a:p>
@@ -2464,7 +2463,7 @@
           <a:p>
             <a:fld id="{87DE6118-2437-4B30-8E3C-4D2BE6020583}" type="datetimeFigureOut">
               <a:rPr lang="en-US" dirty="0"/>
-              <a:t>3/6/2018</a:t>
+              <a:t>3/7/2018</a:t>
             </a:fld>
             <a:endParaRPr lang="en-US" dirty="0"/>
           </a:p>
@@ -2806,7 +2805,7 @@
             <a:fld id="{87DE6118-2437-4B30-8E3C-4D2BE6020583}" type="datetimeFigureOut">
               <a:rPr lang="en-US" dirty="0"/>
               <a:pPr/>
-              <a:t>3/6/2018</a:t>
+              <a:t>3/7/2018</a:t>
             </a:fld>
             <a:endParaRPr lang="en-US" dirty="0"/>
           </a:p>
@@ -3191,7 +3190,7 @@
             <a:fld id="{87DE6118-2437-4B30-8E3C-4D2BE6020583}" type="datetimeFigureOut">
               <a:rPr lang="en-US" dirty="0"/>
               <a:pPr/>
-              <a:t>3/6/2018</a:t>
+              <a:t>3/7/2018</a:t>
             </a:fld>
             <a:endParaRPr lang="en-US" dirty="0"/>
           </a:p>
@@ -3466,7 +3465,7 @@
             <a:fld id="{87DE6118-2437-4B30-8E3C-4D2BE6020583}" type="datetimeFigureOut">
               <a:rPr lang="en-US" dirty="0"/>
               <a:pPr/>
-              <a:t>3/6/2018</a:t>
+              <a:t>3/7/2018</a:t>
             </a:fld>
             <a:endParaRPr lang="en-US" dirty="0"/>
           </a:p>
@@ -4014,11 +4013,7 @@
           <a:p>
             <a:r>
               <a:rPr lang="en-US" smtClean="0"/>
-              <a:t>Day </a:t>
-            </a:r>
-            <a:r>
-              <a:rPr lang="en-US" smtClean="0"/>
-              <a:t>59</a:t>
+              <a:t>Day 59</a:t>
             </a:r>
             <a:endParaRPr lang="en-US" dirty="0"/>
           </a:p>
@@ -4045,171 +4040,6 @@
 </file>
 
 <file path=ppt/slides/slide10.xml><?xml version="1.0" encoding="utf-8"?>
-<p:sld xmlns:a="http://schemas.openxmlformats.org/drawingml/2006/main" xmlns:r="http://schemas.openxmlformats.org/officeDocument/2006/relationships" xmlns:p="http://schemas.openxmlformats.org/presentationml/2006/main">
-  <p:cSld>
-    <p:spTree>
-      <p:nvGrpSpPr>
-        <p:cNvPr id="1" name=""/>
-        <p:cNvGrpSpPr/>
-        <p:nvPr/>
-      </p:nvGrpSpPr>
-      <p:grpSpPr>
-        <a:xfrm>
-          <a:off x="0" y="0"/>
-          <a:ext cx="0" cy="0"/>
-          <a:chOff x="0" y="0"/>
-          <a:chExt cx="0" cy="0"/>
-        </a:xfrm>
-      </p:grpSpPr>
-      <p:sp>
-        <p:nvSpPr>
-          <p:cNvPr id="2" name="Title 1"/>
-          <p:cNvSpPr>
-            <a:spLocks noGrp="1"/>
-          </p:cNvSpPr>
-          <p:nvPr>
-            <p:ph type="title"/>
-          </p:nvPr>
-        </p:nvSpPr>
-        <p:spPr/>
-        <p:txBody>
-          <a:bodyPr/>
-          <a:lstStyle/>
-          <a:p>
-            <a:r>
-              <a:rPr lang="en-US" dirty="0" smtClean="0"/>
-              <a:t>Quiz: Level 4</a:t>
-            </a:r>
-            <a:endParaRPr lang="en-US" dirty="0"/>
-          </a:p>
-        </p:txBody>
-      </p:sp>
-      <p:sp>
-        <p:nvSpPr>
-          <p:cNvPr id="3" name="Content Placeholder 2"/>
-          <p:cNvSpPr>
-            <a:spLocks noGrp="1"/>
-          </p:cNvSpPr>
-          <p:nvPr>
-            <p:ph idx="1"/>
-          </p:nvPr>
-        </p:nvSpPr>
-        <p:spPr>
-          <a:xfrm>
-            <a:off x="1203159" y="1572126"/>
-            <a:ext cx="10796336" cy="4295274"/>
-          </a:xfrm>
-        </p:spPr>
-        <p:txBody>
-          <a:bodyPr>
-            <a:noAutofit/>
-          </a:bodyPr>
-          <a:lstStyle/>
-          <a:p>
-            <a:pPr marL="0" indent="0">
-              <a:buNone/>
-            </a:pPr>
-            <a:r>
-              <a:rPr lang="en-US" sz="3400" dirty="0"/>
-              <a:t>The </a:t>
-            </a:r>
-            <a:r>
-              <a:rPr lang="en-US" sz="3400" dirty="0" smtClean="0"/>
-              <a:t>dance coach </a:t>
-            </a:r>
-            <a:r>
-              <a:rPr lang="en-US" sz="3400" dirty="0"/>
-              <a:t>has decided to randomly choose </a:t>
-            </a:r>
-            <a:r>
-              <a:rPr lang="en-US" sz="3400" dirty="0" smtClean="0"/>
-              <a:t>4 </a:t>
-            </a:r>
-            <a:r>
-              <a:rPr lang="en-US" sz="3400" dirty="0"/>
-              <a:t>players to represent the </a:t>
-            </a:r>
-            <a:r>
-              <a:rPr lang="en-US" sz="3400" dirty="0" smtClean="0"/>
-              <a:t>team as captains.  </a:t>
-            </a:r>
-            <a:r>
-              <a:rPr lang="en-US" sz="3400" dirty="0"/>
-              <a:t>The team consists of </a:t>
-            </a:r>
-            <a:r>
-              <a:rPr lang="en-US" sz="3400" dirty="0" smtClean="0"/>
-              <a:t>12 seniors </a:t>
-            </a:r>
-            <a:r>
-              <a:rPr lang="en-US" sz="3400" dirty="0"/>
-              <a:t>and </a:t>
-            </a:r>
-            <a:r>
-              <a:rPr lang="en-US" sz="3400" dirty="0" smtClean="0"/>
-              <a:t>8 </a:t>
-            </a:r>
-            <a:r>
-              <a:rPr lang="en-US" sz="3400" dirty="0"/>
-              <a:t>juniors.  What is the probability that only one senior will be </a:t>
-            </a:r>
-            <a:r>
-              <a:rPr lang="en-US" sz="3400" dirty="0" smtClean="0"/>
-              <a:t>chosen at random?</a:t>
-            </a:r>
-          </a:p>
-          <a:p>
-            <a:pPr marL="0" indent="0">
-              <a:buNone/>
-            </a:pPr>
-            <a:endParaRPr lang="en-US" sz="3400" dirty="0"/>
-          </a:p>
-          <a:p>
-            <a:pPr marL="0" indent="0">
-              <a:buNone/>
-            </a:pPr>
-            <a:r>
-              <a:rPr lang="en-US" sz="3400" dirty="0" smtClean="0"/>
-              <a:t>(12C1 / 20C4) = 12/4845 </a:t>
-            </a:r>
-          </a:p>
-          <a:p>
-            <a:pPr marL="0" indent="0">
-              <a:buNone/>
-            </a:pPr>
-            <a:r>
-              <a:rPr lang="en-US" sz="3400" dirty="0"/>
-              <a:t>	</a:t>
-            </a:r>
-            <a:r>
-              <a:rPr lang="en-US" sz="3400" dirty="0" smtClean="0"/>
-              <a:t>	         = 4/1615 = 0.00247 = 0.247%</a:t>
-            </a:r>
-            <a:endParaRPr lang="en-US" sz="3400" dirty="0"/>
-          </a:p>
-        </p:txBody>
-      </p:sp>
-    </p:spTree>
-    <p:extLst>
-      <p:ext uri="{BB962C8B-B14F-4D97-AF65-F5344CB8AC3E}">
-        <p14:creationId xmlns:p14="http://schemas.microsoft.com/office/powerpoint/2010/main" val="3537925338"/>
-      </p:ext>
-    </p:extLst>
-  </p:cSld>
-  <p:clrMapOvr>
-    <a:masterClrMapping/>
-  </p:clrMapOvr>
-  <p:timing>
-    <p:tnLst>
-      <p:par>
-        <p:cTn id="1" dur="indefinite" restart="never" nodeType="tmRoot"/>
-      </p:par>
-    </p:tnLst>
-  </p:timing>
-</p:sld>
-</file>
-
-<file path=ppt/slides/slide11.xml><?xml version="1.0" encoding="utf-8"?>
 <p:sld xmlns:a="http://schemas.openxmlformats.org/drawingml/2006/main" xmlns:r="http://schemas.openxmlformats.org/officeDocument/2006/relationships" xmlns:p="http://schemas.openxmlformats.org/presentationml/2006/main">
   <p:cSld>
     <p:spTree>
@@ -4760,15 +4590,7 @@
           <a:p>
             <a:r>
               <a:rPr lang="en-US" sz="3400" dirty="0" smtClean="0"/>
-              <a:t>Is the following independent or dependent: a student flips a coin and they roll </a:t>
-            </a:r>
-            <a:r>
-              <a:rPr lang="en-US" sz="3400" dirty="0" smtClean="0"/>
-              <a:t>an </a:t>
-            </a:r>
-            <a:r>
-              <a:rPr lang="en-US" sz="3400" dirty="0" smtClean="0"/>
-              <a:t>even number on a die?</a:t>
+              <a:t>Is the following independent or dependent: a student flips a coin and they roll an even number on a die?</a:t>
             </a:r>
           </a:p>
           <a:p>
@@ -4833,7 +4655,12 @@
             <p:ph type="title"/>
           </p:nvPr>
         </p:nvSpPr>
-        <p:spPr/>
+        <p:spPr>
+          <a:xfrm>
+            <a:off x="1371600" y="140369"/>
+            <a:ext cx="9601200" cy="1485900"/>
+          </a:xfrm>
+        </p:spPr>
         <p:txBody>
           <a:bodyPr/>
           <a:lstStyle/>
@@ -4858,8 +4685,8 @@
         </p:nvSpPr>
         <p:spPr>
           <a:xfrm>
-            <a:off x="1371600" y="1427747"/>
-            <a:ext cx="9601200" cy="5430253"/>
+            <a:off x="1371600" y="898359"/>
+            <a:ext cx="9601200" cy="5959642"/>
           </a:xfrm>
         </p:spPr>
         <p:txBody>
@@ -4870,14 +4697,10 @@
           <a:p>
             <a:r>
               <a:rPr lang="en-US" sz="3400" dirty="0" smtClean="0"/>
-              <a:t>You have 10 shirts and 8 pairs of pants. How many outfits could you wear</a:t>
-            </a:r>
-            <a:r>
-              <a:rPr lang="en-US" sz="3400" dirty="0" smtClean="0"/>
-              <a:t>? </a:t>
-            </a:r>
-            <a:r>
-              <a:rPr lang="en-US" sz="3400" b="1" dirty="0" smtClean="0"/>
+              <a:t>You have 10 shirts and 8 pairs of pants. How many outfits could you wear? </a:t>
+            </a:r>
+            <a:r>
+              <a:rPr lang="en-US" sz="3400" b="1" i="1" dirty="0" smtClean="0"/>
               <a:t>Answer: 80</a:t>
             </a:r>
             <a:r>
@@ -4918,24 +4741,25 @@
             <a:br>
               <a:rPr lang="en-US" sz="3400" dirty="0" smtClean="0"/>
             </a:br>
-            <a:endParaRPr lang="en-US" sz="3400" dirty="0" smtClean="0"/>
+            <a:r>
+              <a:rPr lang="en-US" sz="3400" b="1" dirty="0" smtClean="0"/>
+              <a:t>Answer: 4/20			Answer: 14/20</a:t>
+            </a:r>
           </a:p>
           <a:p>
             <a:r>
               <a:rPr lang="en-US" sz="3400" dirty="0" smtClean="0"/>
-              <a:t>Is the following independent or dependent: a student flips a coin and they roll </a:t>
-            </a:r>
-            <a:r>
-              <a:rPr lang="en-US" sz="3400" dirty="0" smtClean="0"/>
-              <a:t>an </a:t>
-            </a:r>
-            <a:r>
-              <a:rPr lang="en-US" sz="3400" dirty="0" smtClean="0"/>
-              <a:t>even number on a die?</a:t>
-            </a:r>
-          </a:p>
-          <a:p>
-            <a:endParaRPr lang="en-US" sz="3000" dirty="0" smtClean="0"/>
+              <a:t>Is the following independent or dependent: a student flips a coin and they roll an even number on a die?</a:t>
+            </a:r>
+          </a:p>
+          <a:p>
+            <a:pPr marL="0" indent="0">
+              <a:buNone/>
+            </a:pPr>
+            <a:r>
+              <a:rPr lang="en-US" sz="3000" b="1" i="1" dirty="0" smtClean="0"/>
+              <a:t>   Answer: Independent</a:t>
+            </a:r>
           </a:p>
           <a:p>
             <a:pPr marL="530352" lvl="1" indent="0">
@@ -4952,7 +4776,7 @@
     </p:spTree>
     <p:extLst>
       <p:ext uri="{BB962C8B-B14F-4D97-AF65-F5344CB8AC3E}">
-        <p14:creationId xmlns:p14="http://schemas.microsoft.com/office/powerpoint/2010/main" val="3852174867"/>
+        <p14:creationId xmlns:p14="http://schemas.microsoft.com/office/powerpoint/2010/main" val="3776237555"/>
       </p:ext>
     </p:extLst>
   </p:cSld>
@@ -4998,7 +4822,7 @@
         </p:nvSpPr>
         <p:spPr>
           <a:xfrm>
-            <a:off x="1371600" y="140369"/>
+            <a:off x="1371600" y="86227"/>
             <a:ext cx="9601200" cy="1485900"/>
           </a:xfrm>
         </p:spPr>
@@ -5008,7 +4832,7 @@
           <a:p>
             <a:r>
               <a:rPr lang="en-US" dirty="0" smtClean="0"/>
-              <a:t>Quiz: Level 2</a:t>
+              <a:t>Quiz: Level 3</a:t>
             </a:r>
             <a:endParaRPr lang="en-US" dirty="0"/>
           </a:p>
@@ -5026,8 +4850,8 @@
         </p:nvSpPr>
         <p:spPr>
           <a:xfrm>
-            <a:off x="1371600" y="898359"/>
-            <a:ext cx="9601200" cy="5959642"/>
+            <a:off x="1371600" y="1010653"/>
+            <a:ext cx="10820400" cy="5662864"/>
           </a:xfrm>
         </p:spPr>
         <p:txBody>
@@ -5038,15 +4862,67 @@
           <a:p>
             <a:r>
               <a:rPr lang="en-US" sz="3400" dirty="0" smtClean="0"/>
-              <a:t>You have 10 shirts and 8 pairs of pants. How many outfits could you wear</a:t>
+              <a:t>If you have 6 novels, and 4 comic books in your backpack. How many ways can you randomly select two of them to read? </a:t>
+            </a:r>
+          </a:p>
+          <a:p>
+            <a:pPr marL="0" indent="0">
+              <a:buNone/>
+            </a:pPr>
+            <a:r>
+              <a:rPr lang="en-US" sz="3400" b="1" i="1" dirty="0" smtClean="0"/>
+              <a:t>   </a:t>
+            </a:r>
+            <a:endParaRPr lang="en-US" sz="3400" dirty="0" smtClean="0"/>
+          </a:p>
+          <a:p>
+            <a:r>
+              <a:rPr lang="en-US" sz="3400" dirty="0"/>
+              <a:t>A bag has 6 red, 4 green, and 10 blue marbles.</a:t>
+            </a:r>
+          </a:p>
+          <a:p>
+            <a:pPr marL="530352" lvl="1" indent="0">
+              <a:buNone/>
+            </a:pPr>
+            <a:r>
+              <a:rPr lang="en-US" sz="3400" dirty="0"/>
+              <a:t>Find </a:t>
             </a:r>
             <a:r>
               <a:rPr lang="en-US" sz="3400" dirty="0" smtClean="0"/>
-              <a:t>? </a:t>
-            </a:r>
-            <a:r>
-              <a:rPr lang="en-US" sz="3400" b="1" i="1" dirty="0" smtClean="0"/>
-              <a:t>Answer: 80</a:t>
+              <a:t>P(green or red) </a:t>
+            </a:r>
+          </a:p>
+          <a:p>
+            <a:pPr marL="530352" lvl="1" indent="0">
+              <a:buNone/>
+            </a:pPr>
+            <a:endParaRPr lang="en-US" sz="3400" dirty="0"/>
+          </a:p>
+          <a:p>
+            <a:pPr marL="530352" lvl="1" indent="0">
+              <a:buNone/>
+            </a:pPr>
+            <a:r>
+              <a:rPr lang="en-US" sz="3400" dirty="0" smtClean="0"/>
+              <a:t>P(red then red)	[</a:t>
+            </a:r>
+            <a:r>
+              <a:rPr lang="en-US" sz="3400" u="sng" dirty="0" smtClean="0"/>
+              <a:t>with</a:t>
+            </a:r>
+            <a:r>
+              <a:rPr lang="en-US" sz="3400" dirty="0" smtClean="0"/>
+              <a:t> &amp; </a:t>
+            </a:r>
+            <a:r>
+              <a:rPr lang="en-US" sz="3400" u="sng" dirty="0" smtClean="0"/>
+              <a:t>without</a:t>
+            </a:r>
+            <a:r>
+              <a:rPr lang="en-US" sz="3400" i="0" dirty="0" smtClean="0"/>
+              <a:t> replacement]</a:t>
             </a:r>
             <a:r>
               <a:rPr lang="en-US" sz="3400" dirty="0" smtClean="0"/>
@@ -5055,75 +4931,10 @@
             <a:br>
               <a:rPr lang="en-US" sz="3400" dirty="0" smtClean="0"/>
             </a:br>
-            <a:endParaRPr lang="en-US" sz="3400" dirty="0" smtClean="0"/>
-          </a:p>
-          <a:p>
-            <a:r>
-              <a:rPr lang="en-US" sz="3400" dirty="0"/>
-              <a:t>A bag has 6 red, 4 green, and 10 blue marbles.</a:t>
-            </a:r>
-          </a:p>
-          <a:p>
-            <a:pPr marL="530352" lvl="1" indent="0">
-              <a:buNone/>
-            </a:pPr>
-            <a:r>
-              <a:rPr lang="en-US" sz="3400" dirty="0"/>
-              <a:t>Find P(green)	</a:t>
-            </a:r>
             <a:r>
               <a:rPr lang="en-US" sz="3400" dirty="0" smtClean="0"/>
-              <a:t>              P(not </a:t>
-            </a:r>
-            <a:r>
-              <a:rPr lang="en-US" sz="3400" dirty="0"/>
-              <a:t>red</a:t>
-            </a:r>
-            <a:r>
-              <a:rPr lang="en-US" sz="3400" dirty="0" smtClean="0"/>
-              <a:t>)</a:t>
-            </a:r>
-            <a:br>
-              <a:rPr lang="en-US" sz="3400" dirty="0" smtClean="0"/>
-            </a:br>
-            <a:r>
-              <a:rPr lang="en-US" sz="3400" b="1" dirty="0" smtClean="0"/>
-              <a:t>Answer: 4/20			Answer: 14/20</a:t>
-            </a:r>
-            <a:endParaRPr lang="en-US" sz="3400" b="1" dirty="0" smtClean="0"/>
-          </a:p>
-          <a:p>
-            <a:r>
-              <a:rPr lang="en-US" sz="3400" dirty="0" smtClean="0"/>
-              <a:t>Is the following independent or dependent: a student flips a coin and they roll </a:t>
-            </a:r>
-            <a:r>
-              <a:rPr lang="en-US" sz="3400" dirty="0" smtClean="0"/>
-              <a:t>an </a:t>
-            </a:r>
-            <a:r>
-              <a:rPr lang="en-US" sz="3400" dirty="0" smtClean="0"/>
-              <a:t>even number on a die?</a:t>
-            </a:r>
-          </a:p>
-          <a:p>
-            <a:pPr marL="0" indent="0">
-              <a:buNone/>
-            </a:pPr>
-            <a:r>
-              <a:rPr lang="en-US" sz="3000" b="1" i="1" dirty="0" smtClean="0"/>
-              <a:t>   Answer: Independent</a:t>
-            </a:r>
-            <a:endParaRPr lang="en-US" sz="3000" b="1" i="1" dirty="0" smtClean="0"/>
-          </a:p>
-          <a:p>
-            <a:pPr marL="530352" lvl="1" indent="0">
-              <a:buNone/>
-            </a:pPr>
-            <a:endParaRPr lang="en-US" sz="3000" dirty="0" smtClean="0"/>
-          </a:p>
-          <a:p>
-            <a:pPr lvl="1"/>
+              <a:t>	</a:t>
+            </a:r>
             <a:endParaRPr lang="en-US" sz="3000" dirty="0"/>
           </a:p>
         </p:txBody>
@@ -5131,7 +4942,7 @@
     </p:spTree>
     <p:extLst>
       <p:ext uri="{BB962C8B-B14F-4D97-AF65-F5344CB8AC3E}">
-        <p14:creationId xmlns:p14="http://schemas.microsoft.com/office/powerpoint/2010/main" val="3776237555"/>
+        <p14:creationId xmlns:p14="http://schemas.microsoft.com/office/powerpoint/2010/main" val="3218071711"/>
       </p:ext>
     </p:extLst>
   </p:cSld>
@@ -5217,17 +5028,8 @@
           <a:p>
             <a:r>
               <a:rPr lang="en-US" sz="3400" dirty="0" smtClean="0"/>
-              <a:t>If you have 6 novels, and 4 comic books in your backpack. How many ways can you randomly select </a:t>
-            </a:r>
-            <a:r>
-              <a:rPr lang="en-US" sz="3400" dirty="0" smtClean="0"/>
-              <a:t>two </a:t>
-            </a:r>
-            <a:r>
-              <a:rPr lang="en-US" sz="3400" dirty="0" smtClean="0"/>
-              <a:t>of them to read? </a:t>
-            </a:r>
-            <a:endParaRPr lang="en-US" sz="3400" dirty="0" smtClean="0"/>
+              <a:t>If you have 6 novels, and 4 comic books in your backpack. How many ways can you randomly select two of them to read? </a:t>
+            </a:r>
           </a:p>
           <a:p>
             <a:pPr marL="0" indent="0">
@@ -5235,8 +5037,11 @@
             </a:pPr>
             <a:r>
               <a:rPr lang="en-US" sz="3400" b="1" i="1" dirty="0" smtClean="0"/>
-              <a:t>   </a:t>
-            </a:r>
+              <a:t>   Answer:  10C2 = 45</a:t>
+            </a:r>
+            <a:endParaRPr lang="en-US" sz="3400" b="1" i="1" dirty="0"/>
+          </a:p>
+          <a:p>
             <a:endParaRPr lang="en-US" sz="3400" dirty="0" smtClean="0"/>
           </a:p>
           <a:p>
@@ -5255,54 +5060,11 @@
             </a:r>
             <a:r>
               <a:rPr lang="en-US" sz="3400" dirty="0" smtClean="0"/>
-              <a:t>P(green or </a:t>
-            </a:r>
-            <a:r>
-              <a:rPr lang="en-US" sz="3400" dirty="0" smtClean="0"/>
-              <a:t>red</a:t>
-            </a:r>
-            <a:r>
-              <a:rPr lang="en-US" sz="3400" dirty="0" smtClean="0"/>
-              <a:t>) </a:t>
-            </a:r>
-          </a:p>
-          <a:p>
-            <a:pPr marL="530352" lvl="1" indent="0">
-              <a:buNone/>
-            </a:pPr>
-            <a:endParaRPr lang="en-US" sz="3400" dirty="0"/>
-          </a:p>
-          <a:p>
-            <a:pPr marL="530352" lvl="1" indent="0">
-              <a:buNone/>
-            </a:pPr>
-            <a:r>
-              <a:rPr lang="en-US" sz="3400" dirty="0" smtClean="0"/>
-              <a:t>P(red </a:t>
-            </a:r>
-            <a:r>
-              <a:rPr lang="en-US" sz="3400" dirty="0" smtClean="0"/>
-              <a:t>then red)	</a:t>
-            </a:r>
-            <a:r>
-              <a:rPr lang="en-US" sz="3400" dirty="0" smtClean="0"/>
-              <a:t>[</a:t>
-            </a:r>
-            <a:r>
-              <a:rPr lang="en-US" sz="3400" u="sng" dirty="0" smtClean="0"/>
-              <a:t>with</a:t>
-            </a:r>
-            <a:r>
-              <a:rPr lang="en-US" sz="3400" dirty="0" smtClean="0"/>
-              <a:t> &amp; </a:t>
-            </a:r>
-            <a:r>
-              <a:rPr lang="en-US" sz="3400" u="sng" dirty="0" smtClean="0"/>
-              <a:t>without</a:t>
-            </a:r>
-            <a:r>
-              <a:rPr lang="en-US" sz="3400" i="0" dirty="0" smtClean="0"/>
-              <a:t> replacement]</a:t>
+              <a:t>P(green or red) </a:t>
+            </a:r>
+            <a:r>
+              <a:rPr lang="en-US" sz="3400" b="1" dirty="0" smtClean="0"/>
+              <a:t>Answer: 10/20</a:t>
             </a:r>
             <a:r>
               <a:rPr lang="en-US" sz="3400" dirty="0" smtClean="0"/>
@@ -5313,8 +5075,79 @@
             </a:br>
             <a:r>
               <a:rPr lang="en-US" sz="3400" dirty="0" smtClean="0"/>
+              <a:t>P(red then red)	</a:t>
+            </a:r>
+            <a:r>
+              <a:rPr lang="en-US" sz="3400" u="sng" dirty="0" smtClean="0"/>
+              <a:t>with</a:t>
+            </a:r>
+            <a:r>
+              <a:rPr lang="en-US" sz="3400" dirty="0" smtClean="0"/>
+              <a:t>                       </a:t>
+            </a:r>
+            <a:r>
+              <a:rPr lang="en-US" sz="3400" u="sng" dirty="0" smtClean="0"/>
+              <a:t>without</a:t>
+            </a:r>
+            <a:r>
+              <a:rPr lang="en-US" sz="3400" dirty="0" smtClean="0"/>
+              <a:t/>
+            </a:r>
+            <a:br>
+              <a:rPr lang="en-US" sz="3400" dirty="0" smtClean="0"/>
+            </a:br>
+            <a:r>
+              <a:rPr lang="en-US" sz="3400" dirty="0" smtClean="0"/>
               <a:t>	</a:t>
             </a:r>
+            <a:r>
+              <a:rPr lang="en-US" sz="3400" dirty="0"/>
+              <a:t> </a:t>
+            </a:r>
+            <a:r>
+              <a:rPr lang="en-US" sz="3400" dirty="0" smtClean="0"/>
+              <a:t>  </a:t>
+            </a:r>
+            <a:r>
+              <a:rPr lang="en-US" sz="3400" b="1" dirty="0" smtClean="0"/>
+              <a:t>Answer</a:t>
+            </a:r>
+            <a:r>
+              <a:rPr lang="en-US" sz="3400" dirty="0" smtClean="0"/>
+              <a:t>: </a:t>
+            </a:r>
+            <a:r>
+              <a:rPr lang="en-US" sz="3400" b="1" dirty="0" smtClean="0"/>
+              <a:t>6/20 * 6/20         6/20 </a:t>
+            </a:r>
+            <a:r>
+              <a:rPr lang="en-US" sz="3400" b="1" dirty="0"/>
+              <a:t>* </a:t>
+            </a:r>
+            <a:r>
+              <a:rPr lang="en-US" sz="3400" b="1" dirty="0" smtClean="0"/>
+              <a:t>5/19</a:t>
+            </a:r>
+            <a:r>
+              <a:rPr lang="en-US" sz="3400" dirty="0"/>
+              <a:t>	</a:t>
+            </a:r>
+            <a:r>
+              <a:rPr lang="en-US" sz="3400" dirty="0" smtClean="0"/>
+              <a:t>	 </a:t>
+            </a:r>
+            <a:endParaRPr lang="en-US" sz="3000" dirty="0" smtClean="0"/>
+          </a:p>
+          <a:p>
+            <a:pPr marL="3273552" lvl="7" indent="0">
+              <a:buNone/>
+            </a:pPr>
+            <a:r>
+              <a:rPr lang="en-US" sz="2400" b="1" dirty="0" smtClean="0"/>
+              <a:t>9/100			   3/38</a:t>
+            </a:r>
+          </a:p>
+          <a:p>
             <a:endParaRPr lang="en-US" sz="3000" dirty="0"/>
           </a:p>
         </p:txBody>
@@ -5322,7 +5155,7 @@
     </p:spTree>
     <p:extLst>
       <p:ext uri="{BB962C8B-B14F-4D97-AF65-F5344CB8AC3E}">
-        <p14:creationId xmlns:p14="http://schemas.microsoft.com/office/powerpoint/2010/main" val="3218071711"/>
+        <p14:creationId xmlns:p14="http://schemas.microsoft.com/office/powerpoint/2010/main" val="2371952326"/>
       </p:ext>
     </p:extLst>
   </p:cSld>
@@ -5366,19 +5199,14 @@
             <p:ph type="title"/>
           </p:nvPr>
         </p:nvSpPr>
-        <p:spPr>
-          <a:xfrm>
-            <a:off x="1371600" y="86227"/>
-            <a:ext cx="9601200" cy="1485900"/>
-          </a:xfrm>
-        </p:spPr>
+        <p:spPr/>
         <p:txBody>
           <a:bodyPr/>
           <a:lstStyle/>
           <a:p>
             <a:r>
               <a:rPr lang="en-US" dirty="0" smtClean="0"/>
-              <a:t>Quiz: Level 3</a:t>
+              <a:t>Quiz: Level 4</a:t>
             </a:r>
             <a:endParaRPr lang="en-US" dirty="0"/>
           </a:p>
@@ -5394,170 +5222,72 @@
             <p:ph idx="1"/>
           </p:nvPr>
         </p:nvSpPr>
-        <p:spPr>
-          <a:xfrm>
-            <a:off x="1371600" y="1010653"/>
-            <a:ext cx="10820400" cy="5662864"/>
-          </a:xfrm>
-        </p:spPr>
+        <p:spPr/>
         <p:txBody>
           <a:bodyPr>
             <a:normAutofit/>
           </a:bodyPr>
           <a:lstStyle/>
           <a:p>
+            <a:pPr marL="0" indent="0">
+              <a:buNone/>
+            </a:pPr>
+            <a:r>
+              <a:rPr lang="en-US" sz="3400" dirty="0"/>
+              <a:t>The </a:t>
+            </a:r>
             <a:r>
               <a:rPr lang="en-US" sz="3400" dirty="0" smtClean="0"/>
-              <a:t>If you have 6 novels, and 4 comic books in your backpack. How many ways can you randomly select </a:t>
+              <a:t>dance coach </a:t>
+            </a:r>
+            <a:r>
+              <a:rPr lang="en-US" sz="3400" dirty="0"/>
+              <a:t>has decided to randomly choose </a:t>
             </a:r>
             <a:r>
               <a:rPr lang="en-US" sz="3400" dirty="0" smtClean="0"/>
-              <a:t>two </a:t>
+              <a:t>4 </a:t>
+            </a:r>
+            <a:r>
+              <a:rPr lang="en-US" sz="3400" dirty="0"/>
+              <a:t>players to represent the </a:t>
             </a:r>
             <a:r>
               <a:rPr lang="en-US" sz="3400" dirty="0" smtClean="0"/>
-              <a:t>of them to read? </a:t>
-            </a:r>
-            <a:endParaRPr lang="en-US" sz="3400" dirty="0" smtClean="0"/>
-          </a:p>
-          <a:p>
-            <a:pPr marL="0" indent="0">
-              <a:buNone/>
-            </a:pPr>
-            <a:r>
-              <a:rPr lang="en-US" sz="3400" b="1" i="1" dirty="0" smtClean="0"/>
-              <a:t>   Answer:  10C2 = 45</a:t>
-            </a:r>
-            <a:endParaRPr lang="en-US" sz="3400" b="1" i="1" dirty="0"/>
-          </a:p>
-          <a:p>
-            <a:endParaRPr lang="en-US" sz="3400" dirty="0" smtClean="0"/>
-          </a:p>
-          <a:p>
+              <a:t>team as captains.  </a:t>
+            </a:r>
             <a:r>
               <a:rPr lang="en-US" sz="3400" dirty="0"/>
-              <a:t>A bag has 6 red, 4 green, and 10 blue marbles.</a:t>
-            </a:r>
-          </a:p>
-          <a:p>
-            <a:pPr marL="530352" lvl="1" indent="0">
-              <a:buNone/>
-            </a:pPr>
+              <a:t>The team consists of </a:t>
+            </a:r>
+            <a:r>
+              <a:rPr lang="en-US" sz="3400" dirty="0" smtClean="0"/>
+              <a:t>12 seniors </a:t>
+            </a:r>
             <a:r>
               <a:rPr lang="en-US" sz="3400" dirty="0"/>
-              <a:t>Find </a:t>
+              <a:t>and </a:t>
             </a:r>
             <a:r>
               <a:rPr lang="en-US" sz="3400" dirty="0" smtClean="0"/>
-              <a:t>P(green or </a:t>
+              <a:t>8 </a:t>
+            </a:r>
+            <a:r>
+              <a:rPr lang="en-US" sz="3400" dirty="0"/>
+              <a:t>juniors.  What is the probability that only one senior will be </a:t>
             </a:r>
             <a:r>
               <a:rPr lang="en-US" sz="3400" dirty="0" smtClean="0"/>
-              <a:t>red</a:t>
-            </a:r>
-            <a:r>
-              <a:rPr lang="en-US" sz="3400" dirty="0" smtClean="0"/>
-              <a:t>) </a:t>
-            </a:r>
-            <a:r>
-              <a:rPr lang="en-US" sz="3400" b="1" dirty="0" smtClean="0"/>
-              <a:t>Answer: 10/20</a:t>
-            </a:r>
-            <a:r>
-              <a:rPr lang="en-US" sz="3400" dirty="0" smtClean="0"/>
-              <a:t/>
-            </a:r>
-            <a:br>
-              <a:rPr lang="en-US" sz="3400" dirty="0" smtClean="0"/>
-            </a:br>
-            <a:r>
-              <a:rPr lang="en-US" sz="3400" dirty="0" smtClean="0"/>
-              <a:t>P(red then red)	</a:t>
-            </a:r>
-            <a:r>
-              <a:rPr lang="en-US" sz="3400" u="sng" dirty="0" smtClean="0"/>
-              <a:t>with</a:t>
-            </a:r>
-            <a:r>
-              <a:rPr lang="en-US" sz="3400" dirty="0" smtClean="0"/>
-              <a:t>                       </a:t>
-            </a:r>
-            <a:r>
-              <a:rPr lang="en-US" sz="3400" u="sng" dirty="0" smtClean="0"/>
-              <a:t>without</a:t>
-            </a:r>
-            <a:r>
-              <a:rPr lang="en-US" sz="3400" dirty="0" smtClean="0"/>
-              <a:t/>
-            </a:r>
-            <a:br>
-              <a:rPr lang="en-US" sz="3400" dirty="0" smtClean="0"/>
-            </a:br>
-            <a:r>
-              <a:rPr lang="en-US" sz="3400" dirty="0" smtClean="0"/>
-              <a:t>	</a:t>
-            </a:r>
-            <a:r>
-              <a:rPr lang="en-US" sz="3400" dirty="0"/>
-              <a:t> </a:t>
-            </a:r>
-            <a:r>
-              <a:rPr lang="en-US" sz="3400" dirty="0" smtClean="0"/>
-              <a:t>  </a:t>
-            </a:r>
-            <a:r>
-              <a:rPr lang="en-US" sz="3400" b="1" dirty="0" smtClean="0"/>
-              <a:t>Answer</a:t>
-            </a:r>
-            <a:r>
-              <a:rPr lang="en-US" sz="3400" dirty="0" smtClean="0"/>
-              <a:t>: </a:t>
-            </a:r>
-            <a:r>
-              <a:rPr lang="en-US" sz="3400" b="1" dirty="0" smtClean="0"/>
-              <a:t>6/20 * 6/20         </a:t>
-            </a:r>
-            <a:r>
-              <a:rPr lang="en-US" sz="3400" b="1" dirty="0" smtClean="0"/>
-              <a:t>6/20 </a:t>
-            </a:r>
-            <a:r>
-              <a:rPr lang="en-US" sz="3400" b="1" dirty="0"/>
-              <a:t>* </a:t>
-            </a:r>
-            <a:r>
-              <a:rPr lang="en-US" sz="3400" b="1" dirty="0" smtClean="0"/>
-              <a:t>5/19</a:t>
-            </a:r>
-            <a:r>
-              <a:rPr lang="en-US" sz="3400" dirty="0"/>
-              <a:t>	</a:t>
-            </a:r>
-            <a:r>
-              <a:rPr lang="en-US" sz="3400" dirty="0" smtClean="0"/>
-              <a:t>	 </a:t>
-            </a:r>
-            <a:endParaRPr lang="en-US" sz="3000" dirty="0" smtClean="0"/>
-          </a:p>
-          <a:p>
-            <a:pPr marL="3273552" lvl="7" indent="0">
-              <a:buNone/>
-            </a:pPr>
-            <a:r>
-              <a:rPr lang="en-US" sz="2400" b="1" dirty="0" smtClean="0"/>
-              <a:t>9/100			   3/38</a:t>
-            </a:r>
-            <a:endParaRPr lang="en-US" sz="2400" b="1" dirty="0" smtClean="0"/>
-          </a:p>
-          <a:p>
-            <a:endParaRPr lang="en-US" sz="3000" dirty="0"/>
+              <a:t>chosen at random?</a:t>
+            </a:r>
+            <a:endParaRPr lang="en-US" sz="3400" dirty="0"/>
           </a:p>
         </p:txBody>
       </p:sp>
     </p:spTree>
     <p:extLst>
       <p:ext uri="{BB962C8B-B14F-4D97-AF65-F5344CB8AC3E}">
-        <p14:creationId xmlns:p14="http://schemas.microsoft.com/office/powerpoint/2010/main" val="2371952326"/>
+        <p14:creationId xmlns:p14="http://schemas.microsoft.com/office/powerpoint/2010/main" val="4058064681"/>
       </p:ext>
     </p:extLst>
   </p:cSld>
@@ -5624,10 +5354,15 @@
             <p:ph idx="1"/>
           </p:nvPr>
         </p:nvSpPr>
-        <p:spPr/>
+        <p:spPr>
+          <a:xfrm>
+            <a:off x="1203159" y="1572126"/>
+            <a:ext cx="10796336" cy="4295274"/>
+          </a:xfrm>
+        </p:spPr>
         <p:txBody>
           <a:bodyPr>
-            <a:normAutofit/>
+            <a:noAutofit/>
           </a:bodyPr>
           <a:lstStyle/>
           <a:p>
@@ -5681,6 +5416,34 @@
             <a:r>
               <a:rPr lang="en-US" sz="3400" dirty="0" smtClean="0"/>
               <a:t>chosen at random?</a:t>
+            </a:r>
+          </a:p>
+          <a:p>
+            <a:pPr marL="0" indent="0">
+              <a:buNone/>
+            </a:pPr>
+            <a:endParaRPr lang="en-US" sz="3400" dirty="0"/>
+          </a:p>
+          <a:p>
+            <a:pPr marL="0" indent="0">
+              <a:buNone/>
+            </a:pPr>
+            <a:r>
+              <a:rPr lang="en-US" sz="3400" dirty="0" smtClean="0"/>
+              <a:t>(12C1 / 20C4) = 12/4845 </a:t>
+            </a:r>
+          </a:p>
+          <a:p>
+            <a:pPr marL="0" indent="0">
+              <a:buNone/>
+            </a:pPr>
+            <a:r>
+              <a:rPr lang="en-US" sz="3400" dirty="0"/>
+              <a:t>	</a:t>
+            </a:r>
+            <a:r>
+              <a:rPr lang="en-US" sz="3400" dirty="0" smtClean="0"/>
+              <a:t>	         = 4/1615 = 0.00247 = 0.247%</a:t>
             </a:r>
             <a:endParaRPr lang="en-US" sz="3400" dirty="0"/>
           </a:p>
@@ -5689,7 +5452,7 @@
     </p:spTree>
     <p:extLst>
       <p:ext uri="{BB962C8B-B14F-4D97-AF65-F5344CB8AC3E}">
-        <p14:creationId xmlns:p14="http://schemas.microsoft.com/office/powerpoint/2010/main" val="4058064681"/>
+        <p14:creationId xmlns:p14="http://schemas.microsoft.com/office/powerpoint/2010/main" val="3537925338"/>
       </p:ext>
     </p:extLst>
   </p:cSld>
